--- a/AMT_Images.pptx
+++ b/AMT_Images.pptx
@@ -289,7 +289,7 @@
           <a:p>
             <a:fld id="{5AFCFC37-D217-6D47-A2DB-E79D70B0F320}" type="datetimeFigureOut">
               <a:rPr lang="en-US" smtClean="0"/>
-              <a:t>12/22/15</a:t>
+              <a:t>1/11/16</a:t>
             </a:fld>
             <a:endParaRPr lang="en-US"/>
           </a:p>
@@ -459,7 +459,7 @@
           <a:p>
             <a:fld id="{5AFCFC37-D217-6D47-A2DB-E79D70B0F320}" type="datetimeFigureOut">
               <a:rPr lang="en-US" smtClean="0"/>
-              <a:t>12/22/15</a:t>
+              <a:t>1/11/16</a:t>
             </a:fld>
             <a:endParaRPr lang="en-US"/>
           </a:p>
@@ -639,7 +639,7 @@
           <a:p>
             <a:fld id="{5AFCFC37-D217-6D47-A2DB-E79D70B0F320}" type="datetimeFigureOut">
               <a:rPr lang="en-US" smtClean="0"/>
-              <a:t>12/22/15</a:t>
+              <a:t>1/11/16</a:t>
             </a:fld>
             <a:endParaRPr lang="en-US"/>
           </a:p>
@@ -809,7 +809,7 @@
           <a:p>
             <a:fld id="{5AFCFC37-D217-6D47-A2DB-E79D70B0F320}" type="datetimeFigureOut">
               <a:rPr lang="en-US" smtClean="0"/>
-              <a:t>12/22/15</a:t>
+              <a:t>1/11/16</a:t>
             </a:fld>
             <a:endParaRPr lang="en-US"/>
           </a:p>
@@ -1055,7 +1055,7 @@
           <a:p>
             <a:fld id="{5AFCFC37-D217-6D47-A2DB-E79D70B0F320}" type="datetimeFigureOut">
               <a:rPr lang="en-US" smtClean="0"/>
-              <a:t>12/22/15</a:t>
+              <a:t>1/11/16</a:t>
             </a:fld>
             <a:endParaRPr lang="en-US"/>
           </a:p>
@@ -1343,7 +1343,7 @@
           <a:p>
             <a:fld id="{5AFCFC37-D217-6D47-A2DB-E79D70B0F320}" type="datetimeFigureOut">
               <a:rPr lang="en-US" smtClean="0"/>
-              <a:t>12/22/15</a:t>
+              <a:t>1/11/16</a:t>
             </a:fld>
             <a:endParaRPr lang="en-US"/>
           </a:p>
@@ -1765,7 +1765,7 @@
           <a:p>
             <a:fld id="{5AFCFC37-D217-6D47-A2DB-E79D70B0F320}" type="datetimeFigureOut">
               <a:rPr lang="en-US" smtClean="0"/>
-              <a:t>12/22/15</a:t>
+              <a:t>1/11/16</a:t>
             </a:fld>
             <a:endParaRPr lang="en-US"/>
           </a:p>
@@ -1883,7 +1883,7 @@
           <a:p>
             <a:fld id="{5AFCFC37-D217-6D47-A2DB-E79D70B0F320}" type="datetimeFigureOut">
               <a:rPr lang="en-US" smtClean="0"/>
-              <a:t>12/22/15</a:t>
+              <a:t>1/11/16</a:t>
             </a:fld>
             <a:endParaRPr lang="en-US"/>
           </a:p>
@@ -1978,7 +1978,7 @@
           <a:p>
             <a:fld id="{5AFCFC37-D217-6D47-A2DB-E79D70B0F320}" type="datetimeFigureOut">
               <a:rPr lang="en-US" smtClean="0"/>
-              <a:t>12/22/15</a:t>
+              <a:t>1/11/16</a:t>
             </a:fld>
             <a:endParaRPr lang="en-US"/>
           </a:p>
@@ -2255,7 +2255,7 @@
           <a:p>
             <a:fld id="{5AFCFC37-D217-6D47-A2DB-E79D70B0F320}" type="datetimeFigureOut">
               <a:rPr lang="en-US" smtClean="0"/>
-              <a:t>12/22/15</a:t>
+              <a:t>1/11/16</a:t>
             </a:fld>
             <a:endParaRPr lang="en-US"/>
           </a:p>
@@ -2508,7 +2508,7 @@
           <a:p>
             <a:fld id="{5AFCFC37-D217-6D47-A2DB-E79D70B0F320}" type="datetimeFigureOut">
               <a:rPr lang="en-US" smtClean="0"/>
-              <a:t>12/22/15</a:t>
+              <a:t>1/11/16</a:t>
             </a:fld>
             <a:endParaRPr lang="en-US"/>
           </a:p>
@@ -2721,7 +2721,7 @@
           <a:p>
             <a:fld id="{5AFCFC37-D217-6D47-A2DB-E79D70B0F320}" type="datetimeFigureOut">
               <a:rPr lang="en-US" smtClean="0"/>
-              <a:t>12/22/15</a:t>
+              <a:t>1/11/16</a:t>
             </a:fld>
             <a:endParaRPr lang="en-US"/>
           </a:p>
@@ -3280,7 +3280,7 @@
         </p:nvSpPr>
         <p:spPr>
           <a:xfrm>
-            <a:off x="1274957" y="3862577"/>
+            <a:off x="1474758" y="3862577"/>
             <a:ext cx="2828142" cy="584776"/>
           </a:xfrm>
           <a:prstGeom prst="rect">
@@ -3376,6 +3376,52 @@
           <a:xfrm>
             <a:off x="5309576" y="1945151"/>
             <a:ext cx="2997020" cy="1483674"/>
+          </a:xfrm>
+          <a:prstGeom prst="rect">
+            <a:avLst/>
+          </a:prstGeom>
+        </p:spPr>
+      </p:pic>
+      <p:pic>
+        <p:nvPicPr>
+          <p:cNvPr id="6" name="Picture 5"/>
+          <p:cNvPicPr>
+            <a:picLocks noChangeAspect="1"/>
+          </p:cNvPicPr>
+          <p:nvPr/>
+        </p:nvPicPr>
+        <p:blipFill rotWithShape="1">
+          <a:blip r:embed="rId4"/>
+          <a:srcRect l="30869" t="16546" r="30607" b="49907"/>
+          <a:stretch/>
+        </p:blipFill>
+        <p:spPr>
+          <a:xfrm>
+            <a:off x="2089622" y="4558169"/>
+            <a:ext cx="1630964" cy="1420260"/>
+          </a:xfrm>
+          <a:prstGeom prst="rect">
+            <a:avLst/>
+          </a:prstGeom>
+        </p:spPr>
+      </p:pic>
+      <p:pic>
+        <p:nvPicPr>
+          <p:cNvPr id="10" name="Picture 9"/>
+          <p:cNvPicPr>
+            <a:picLocks noChangeAspect="1"/>
+          </p:cNvPicPr>
+          <p:nvPr/>
+        </p:nvPicPr>
+        <p:blipFill rotWithShape="1">
+          <a:blip r:embed="rId4"/>
+          <a:srcRect l="33570" t="49307" r="32623" b="17975"/>
+          <a:stretch/>
+        </p:blipFill>
+        <p:spPr>
+          <a:xfrm>
+            <a:off x="6161767" y="4558169"/>
+            <a:ext cx="1467494" cy="1420260"/>
           </a:xfrm>
           <a:prstGeom prst="rect">
             <a:avLst/>

--- a/AMT_Images.pptx
+++ b/AMT_Images.pptx
@@ -6,7 +6,8 @@
   </p:sldMasterIdLst>
   <p:sldIdLst>
     <p:sldId id="256" r:id="rId2"/>
-    <p:sldId id="257" r:id="rId3"/>
+    <p:sldId id="258" r:id="rId3"/>
+    <p:sldId id="257" r:id="rId4"/>
   </p:sldIdLst>
   <p:sldSz cx="9144000" cy="6858000" type="screen4x3"/>
   <p:notesSz cx="6858000" cy="9144000"/>
@@ -289,7 +290,7 @@
           <a:p>
             <a:fld id="{5AFCFC37-D217-6D47-A2DB-E79D70B0F320}" type="datetimeFigureOut">
               <a:rPr lang="en-US" smtClean="0"/>
-              <a:t>1/11/16</a:t>
+              <a:t>1/23/16</a:t>
             </a:fld>
             <a:endParaRPr lang="en-US"/>
           </a:p>
@@ -459,7 +460,7 @@
           <a:p>
             <a:fld id="{5AFCFC37-D217-6D47-A2DB-E79D70B0F320}" type="datetimeFigureOut">
               <a:rPr lang="en-US" smtClean="0"/>
-              <a:t>1/11/16</a:t>
+              <a:t>1/23/16</a:t>
             </a:fld>
             <a:endParaRPr lang="en-US"/>
           </a:p>
@@ -639,7 +640,7 @@
           <a:p>
             <a:fld id="{5AFCFC37-D217-6D47-A2DB-E79D70B0F320}" type="datetimeFigureOut">
               <a:rPr lang="en-US" smtClean="0"/>
-              <a:t>1/11/16</a:t>
+              <a:t>1/23/16</a:t>
             </a:fld>
             <a:endParaRPr lang="en-US"/>
           </a:p>
@@ -809,7 +810,7 @@
           <a:p>
             <a:fld id="{5AFCFC37-D217-6D47-A2DB-E79D70B0F320}" type="datetimeFigureOut">
               <a:rPr lang="en-US" smtClean="0"/>
-              <a:t>1/11/16</a:t>
+              <a:t>1/23/16</a:t>
             </a:fld>
             <a:endParaRPr lang="en-US"/>
           </a:p>
@@ -1055,7 +1056,7 @@
           <a:p>
             <a:fld id="{5AFCFC37-D217-6D47-A2DB-E79D70B0F320}" type="datetimeFigureOut">
               <a:rPr lang="en-US" smtClean="0"/>
-              <a:t>1/11/16</a:t>
+              <a:t>1/23/16</a:t>
             </a:fld>
             <a:endParaRPr lang="en-US"/>
           </a:p>
@@ -1343,7 +1344,7 @@
           <a:p>
             <a:fld id="{5AFCFC37-D217-6D47-A2DB-E79D70B0F320}" type="datetimeFigureOut">
               <a:rPr lang="en-US" smtClean="0"/>
-              <a:t>1/11/16</a:t>
+              <a:t>1/23/16</a:t>
             </a:fld>
             <a:endParaRPr lang="en-US"/>
           </a:p>
@@ -1765,7 +1766,7 @@
           <a:p>
             <a:fld id="{5AFCFC37-D217-6D47-A2DB-E79D70B0F320}" type="datetimeFigureOut">
               <a:rPr lang="en-US" smtClean="0"/>
-              <a:t>1/11/16</a:t>
+              <a:t>1/23/16</a:t>
             </a:fld>
             <a:endParaRPr lang="en-US"/>
           </a:p>
@@ -1883,7 +1884,7 @@
           <a:p>
             <a:fld id="{5AFCFC37-D217-6D47-A2DB-E79D70B0F320}" type="datetimeFigureOut">
               <a:rPr lang="en-US" smtClean="0"/>
-              <a:t>1/11/16</a:t>
+              <a:t>1/23/16</a:t>
             </a:fld>
             <a:endParaRPr lang="en-US"/>
           </a:p>
@@ -1978,7 +1979,7 @@
           <a:p>
             <a:fld id="{5AFCFC37-D217-6D47-A2DB-E79D70B0F320}" type="datetimeFigureOut">
               <a:rPr lang="en-US" smtClean="0"/>
-              <a:t>1/11/16</a:t>
+              <a:t>1/23/16</a:t>
             </a:fld>
             <a:endParaRPr lang="en-US"/>
           </a:p>
@@ -2255,7 +2256,7 @@
           <a:p>
             <a:fld id="{5AFCFC37-D217-6D47-A2DB-E79D70B0F320}" type="datetimeFigureOut">
               <a:rPr lang="en-US" smtClean="0"/>
-              <a:t>1/11/16</a:t>
+              <a:t>1/23/16</a:t>
             </a:fld>
             <a:endParaRPr lang="en-US"/>
           </a:p>
@@ -2508,7 +2509,7 @@
           <a:p>
             <a:fld id="{5AFCFC37-D217-6D47-A2DB-E79D70B0F320}" type="datetimeFigureOut">
               <a:rPr lang="en-US" smtClean="0"/>
-              <a:t>1/11/16</a:t>
+              <a:t>1/23/16</a:t>
             </a:fld>
             <a:endParaRPr lang="en-US"/>
           </a:p>
@@ -2721,7 +2722,7 @@
           <a:p>
             <a:fld id="{5AFCFC37-D217-6D47-A2DB-E79D70B0F320}" type="datetimeFigureOut">
               <a:rPr lang="en-US" smtClean="0"/>
-              <a:t>1/11/16</a:t>
+              <a:t>1/23/16</a:t>
             </a:fld>
             <a:endParaRPr lang="en-US"/>
           </a:p>
@@ -3256,6 +3257,136 @@
 </file>
 
 <file path=ppt/slides/slide2.xml><?xml version="1.0" encoding="utf-8"?>
+<p:sld xmlns:a="http://schemas.openxmlformats.org/drawingml/2006/main" xmlns:r="http://schemas.openxmlformats.org/officeDocument/2006/relationships" xmlns:p="http://schemas.openxmlformats.org/presentationml/2006/main">
+  <p:cSld>
+    <p:spTree>
+      <p:nvGrpSpPr>
+        <p:cNvPr id="1" name=""/>
+        <p:cNvGrpSpPr/>
+        <p:nvPr/>
+      </p:nvGrpSpPr>
+      <p:grpSpPr>
+        <a:xfrm>
+          <a:off x="0" y="0"/>
+          <a:ext cx="0" cy="0"/>
+          <a:chOff x="0" y="0"/>
+          <a:chExt cx="0" cy="0"/>
+        </a:xfrm>
+      </p:grpSpPr>
+      <p:pic>
+        <p:nvPicPr>
+          <p:cNvPr id="2" name="Picture 1"/>
+          <p:cNvPicPr>
+            <a:picLocks noChangeAspect="1"/>
+          </p:cNvPicPr>
+          <p:nvPr/>
+        </p:nvPicPr>
+        <p:blipFill>
+          <a:blip r:embed="rId2"/>
+          <a:stretch>
+            <a:fillRect/>
+          </a:stretch>
+        </p:blipFill>
+        <p:spPr>
+          <a:xfrm>
+            <a:off x="1549866" y="341241"/>
+            <a:ext cx="5910108" cy="5910108"/>
+          </a:xfrm>
+          <a:prstGeom prst="rect">
+            <a:avLst/>
+          </a:prstGeom>
+        </p:spPr>
+      </p:pic>
+      <p:sp>
+        <p:nvSpPr>
+          <p:cNvPr id="9" name="TextBox 8"/>
+          <p:cNvSpPr txBox="1"/>
+          <p:nvPr/>
+        </p:nvSpPr>
+        <p:spPr>
+          <a:xfrm>
+            <a:off x="6053504" y="2568770"/>
+            <a:ext cx="2643157" cy="584776"/>
+          </a:xfrm>
+          <a:prstGeom prst="rect">
+            <a:avLst/>
+          </a:prstGeom>
+          <a:noFill/>
+        </p:spPr>
+        <p:txBody>
+          <a:bodyPr wrap="square" rtlCol="0">
+            <a:spAutoFit/>
+          </a:bodyPr>
+          <a:lstStyle/>
+          <a:p>
+            <a:r>
+              <a:rPr lang="en-US" sz="3200" b="1" dirty="0" smtClean="0"/>
+              <a:t>Move</a:t>
+            </a:r>
+            <a:r>
+              <a:rPr lang="en-US" sz="3200" b="1" dirty="0" smtClean="0"/>
+              <a:t> </a:t>
+            </a:r>
+            <a:r>
+              <a:rPr lang="en-US" sz="3200" b="1" dirty="0" smtClean="0"/>
+              <a:t>Right</a:t>
+            </a:r>
+            <a:endParaRPr lang="en-US" sz="3200" b="1" dirty="0"/>
+          </a:p>
+        </p:txBody>
+      </p:sp>
+      <p:sp>
+        <p:nvSpPr>
+          <p:cNvPr id="10" name="TextBox 9"/>
+          <p:cNvSpPr txBox="1"/>
+          <p:nvPr/>
+        </p:nvSpPr>
+        <p:spPr>
+          <a:xfrm>
+            <a:off x="798675" y="2641226"/>
+            <a:ext cx="1998011" cy="584776"/>
+          </a:xfrm>
+          <a:prstGeom prst="rect">
+            <a:avLst/>
+          </a:prstGeom>
+          <a:noFill/>
+        </p:spPr>
+        <p:txBody>
+          <a:bodyPr wrap="square" rtlCol="0">
+            <a:spAutoFit/>
+          </a:bodyPr>
+          <a:lstStyle/>
+          <a:p>
+            <a:r>
+              <a:rPr lang="en-US" sz="3200" b="1" dirty="0" smtClean="0"/>
+              <a:t>Move</a:t>
+            </a:r>
+            <a:r>
+              <a:rPr lang="en-US" sz="3200" b="1" dirty="0" smtClean="0"/>
+              <a:t> </a:t>
+            </a:r>
+            <a:r>
+              <a:rPr lang="en-US" sz="3200" b="1" dirty="0" smtClean="0"/>
+              <a:t>Left</a:t>
+            </a:r>
+            <a:endParaRPr lang="en-US" sz="3200" b="1" dirty="0"/>
+          </a:p>
+        </p:txBody>
+      </p:sp>
+    </p:spTree>
+    <p:extLst>
+      <p:ext uri="{BB962C8B-B14F-4D97-AF65-F5344CB8AC3E}">
+        <p14:creationId xmlns:p14="http://schemas.microsoft.com/office/powerpoint/2010/main" val="3398930963"/>
+      </p:ext>
+    </p:extLst>
+  </p:cSld>
+  <p:clrMapOvr>
+    <a:masterClrMapping/>
+  </p:clrMapOvr>
+</p:sld>
+</file>
+
+<file path=ppt/slides/slide3.xml><?xml version="1.0" encoding="utf-8"?>
 <p:sld xmlns:a="http://schemas.openxmlformats.org/drawingml/2006/main" xmlns:r="http://schemas.openxmlformats.org/officeDocument/2006/relationships" xmlns:p="http://schemas.openxmlformats.org/presentationml/2006/main">
   <p:cSld>
     <p:spTree>
